--- a/Hokemon2.pptx
+++ b/Hokemon2.pptx
@@ -229,7 +229,7 @@
             <a:fld id="{2B5AFE0E-6A1C-4885-B63C-2DFDC6AB1C79}" type="datetimeFigureOut">
               <a:rPr lang="en-US" altLang="en-US"/>
               <a:pPr/>
-              <a:t>8/18/2020</a:t>
+              <a:t>8/19/2020</a:t>
             </a:fld>
             <a:endParaRPr lang="en-US" altLang="en-US"/>
           </a:p>
@@ -396,7 +396,7 @@
             <a:fld id="{9D4EA084-1755-244B-AA1B-DD1CDE75AFEE}" type="datetimeFigureOut">
               <a:rPr lang="en-US" altLang="en-US"/>
               <a:pPr/>
-              <a:t>8/18/2020</a:t>
+              <a:t>8/19/2020</a:t>
             </a:fld>
             <a:endParaRPr lang="en-US" altLang="en-US"/>
           </a:p>
@@ -5792,13 +5792,18 @@
           <a:lstStyle/>
           <a:p>
             <a:r>
-              <a:rPr lang="en-US" altLang="ko-KR" sz="3600" spc="725" dirty="0">
+              <a:rPr lang="en-US" altLang="ko-KR" sz="3600" spc="725" dirty="0" smtClean="0">
                 <a:latin typeface="DX유니고딕 20"/>
                 <a:ea typeface="DX유니고딕 20"/>
                 <a:cs typeface="맑은 고딕 Semilight"/>
               </a:rPr>
               <a:t>HOKEMON</a:t>
             </a:r>
+            <a:endParaRPr lang="en-US" altLang="ko-KR" sz="3600" spc="725" dirty="0">
+              <a:latin typeface="DX유니고딕 20"/>
+              <a:ea typeface="DX유니고딕 20"/>
+              <a:cs typeface="맑은 고딕 Semilight"/>
+            </a:endParaRPr>
           </a:p>
         </p:txBody>
       </p:sp>
@@ -6484,6 +6489,36 @@
           </a:fontRef>
         </p:style>
       </p:cxnSp>
+      <p:pic>
+        <p:nvPicPr>
+          <p:cNvPr id="2" name="그림 1"/>
+          <p:cNvPicPr>
+            <a:picLocks noChangeAspect="1"/>
+          </p:cNvPicPr>
+          <p:nvPr/>
+        </p:nvPicPr>
+        <p:blipFill>
+          <a:blip r:embed="rId2">
+            <a:extLst>
+              <a:ext uri="{28A0092B-C50C-407E-A947-70E740481C1C}">
+                <a14:useLocalDpi xmlns:a14="http://schemas.microsoft.com/office/drawing/2010/main" val="0"/>
+              </a:ext>
+            </a:extLst>
+          </a:blip>
+          <a:stretch>
+            <a:fillRect/>
+          </a:stretch>
+        </p:blipFill>
+        <p:spPr>
+          <a:xfrm>
+            <a:off x="7413523" y="2716727"/>
+            <a:ext cx="3972232" cy="2482645"/>
+          </a:xfrm>
+          <a:prstGeom prst="rect">
+            <a:avLst/>
+          </a:prstGeom>
+        </p:spPr>
+      </p:pic>
     </p:spTree>
   </p:cSld>
   <p:clrMapOvr>
@@ -6898,6 +6933,35 @@
           </a:fontRef>
         </p:style>
       </p:cxnSp>
+      <p:pic>
+        <p:nvPicPr>
+          <p:cNvPr id="2" name="그림 1"/>
+          <p:cNvPicPr>
+            <a:picLocks noChangeAspect="1"/>
+          </p:cNvPicPr>
+          <p:nvPr/>
+        </p:nvPicPr>
+        <p:blipFill rotWithShape="1">
+          <a:blip r:embed="rId2">
+            <a:extLst>
+              <a:ext uri="{28A0092B-C50C-407E-A947-70E740481C1C}">
+                <a14:useLocalDpi xmlns:a14="http://schemas.microsoft.com/office/drawing/2010/main" val="0"/>
+              </a:ext>
+            </a:extLst>
+          </a:blip>
+          <a:srcRect l="50000"/>
+          <a:stretch/>
+        </p:blipFill>
+        <p:spPr>
+          <a:xfrm>
+            <a:off x="7722372" y="2814563"/>
+            <a:ext cx="3240936" cy="2430702"/>
+          </a:xfrm>
+          <a:prstGeom prst="rect">
+            <a:avLst/>
+          </a:prstGeom>
+        </p:spPr>
+      </p:pic>
     </p:spTree>
     <p:extLst>
       <p:ext uri="{BB962C8B-B14F-4D97-AF65-F5344CB8AC3E}">
@@ -9959,15 +10023,214 @@
           <a:p>
             <a:pPr algn="ctr"/>
             <a:r>
-              <a:rPr lang="ko-KR" altLang="en-US" sz="1600" dirty="0">
+              <a:rPr lang="ko-KR" altLang="en-US" sz="1600" dirty="0" smtClean="0">
                 <a:solidFill>
                   <a:schemeClr val="tx1"/>
                 </a:solidFill>
                 <a:latin typeface="DX유니고딕 20" panose="02020600000000000000" pitchFamily="18" charset="-127"/>
                 <a:ea typeface="DX유니고딕 20" panose="02020600000000000000" pitchFamily="18" charset="-127"/>
               </a:rPr>
-              <a:t>이동</a:t>
+              <a:t>집</a:t>
             </a:r>
+            <a:endParaRPr lang="ko-KR" altLang="en-US" sz="1600" dirty="0">
+              <a:solidFill>
+                <a:schemeClr val="tx1"/>
+              </a:solidFill>
+              <a:latin typeface="DX유니고딕 20" panose="02020600000000000000" pitchFamily="18" charset="-127"/>
+              <a:ea typeface="DX유니고딕 20" panose="02020600000000000000" pitchFamily="18" charset="-127"/>
+            </a:endParaRPr>
+          </a:p>
+        </p:txBody>
+      </p:sp>
+      <p:sp>
+        <p:nvSpPr>
+          <p:cNvPr id="31" name="순서도: 처리 30"/>
+          <p:cNvSpPr/>
+          <p:nvPr/>
+        </p:nvSpPr>
+        <p:spPr>
+          <a:xfrm>
+            <a:off x="3613175" y="5932727"/>
+            <a:ext cx="1765069" cy="576328"/>
+          </a:xfrm>
+          <a:prstGeom prst="flowChartProcess">
+            <a:avLst/>
+          </a:prstGeom>
+          <a:solidFill>
+            <a:schemeClr val="bg1"/>
+          </a:solidFill>
+          <a:ln>
+            <a:noFill/>
+          </a:ln>
+        </p:spPr>
+        <p:style>
+          <a:lnRef idx="2">
+            <a:schemeClr val="accent1">
+              <a:shade val="50000"/>
+            </a:schemeClr>
+          </a:lnRef>
+          <a:fillRef idx="1">
+            <a:schemeClr val="accent1"/>
+          </a:fillRef>
+          <a:effectRef idx="0">
+            <a:schemeClr val="accent1"/>
+          </a:effectRef>
+          <a:fontRef idx="minor">
+            <a:schemeClr val="lt1"/>
+          </a:fontRef>
+        </p:style>
+        <p:txBody>
+          <a:bodyPr rtlCol="0" anchor="ctr"/>
+          <a:lstStyle/>
+          <a:p>
+            <a:pPr algn="ctr"/>
+            <a:r>
+              <a:rPr lang="ko-KR" altLang="en-US" sz="1600" dirty="0" smtClean="0">
+                <a:solidFill>
+                  <a:schemeClr val="tx1"/>
+                </a:solidFill>
+                <a:latin typeface="DX유니고딕 20" panose="02020600000000000000" pitchFamily="18" charset="-127"/>
+                <a:ea typeface="DX유니고딕 20" panose="02020600000000000000" pitchFamily="18" charset="-127"/>
+              </a:rPr>
+              <a:t>통신 대전</a:t>
+            </a:r>
+            <a:r>
+              <a:rPr lang="en-US" altLang="ko-KR" sz="1600" dirty="0" smtClean="0">
+                <a:solidFill>
+                  <a:schemeClr val="tx1"/>
+                </a:solidFill>
+                <a:latin typeface="DX유니고딕 20" panose="02020600000000000000" pitchFamily="18" charset="-127"/>
+                <a:ea typeface="DX유니고딕 20" panose="02020600000000000000" pitchFamily="18" charset="-127"/>
+              </a:rPr>
+              <a:t>&amp;</a:t>
+            </a:r>
+            <a:r>
+              <a:rPr lang="ko-KR" altLang="en-US" sz="1600" dirty="0" smtClean="0">
+                <a:solidFill>
+                  <a:schemeClr val="tx1"/>
+                </a:solidFill>
+                <a:latin typeface="DX유니고딕 20" panose="02020600000000000000" pitchFamily="18" charset="-127"/>
+                <a:ea typeface="DX유니고딕 20" panose="02020600000000000000" pitchFamily="18" charset="-127"/>
+              </a:rPr>
+              <a:t>교환</a:t>
+            </a:r>
+            <a:endParaRPr lang="ko-KR" altLang="en-US" sz="1600" dirty="0">
+              <a:solidFill>
+                <a:schemeClr val="tx1"/>
+              </a:solidFill>
+              <a:latin typeface="DX유니고딕 20" panose="02020600000000000000" pitchFamily="18" charset="-127"/>
+              <a:ea typeface="DX유니고딕 20" panose="02020600000000000000" pitchFamily="18" charset="-127"/>
+            </a:endParaRPr>
+          </a:p>
+        </p:txBody>
+      </p:sp>
+      <p:cxnSp>
+        <p:nvCxnSpPr>
+          <p:cNvPr id="13" name="직선 화살표 연결선 12"/>
+          <p:cNvCxnSpPr>
+            <a:endCxn id="31" idx="0"/>
+          </p:cNvCxnSpPr>
+          <p:nvPr/>
+        </p:nvCxnSpPr>
+        <p:spPr>
+          <a:xfrm>
+            <a:off x="2602091" y="3199620"/>
+            <a:ext cx="1893619" cy="2733107"/>
+          </a:xfrm>
+          <a:prstGeom prst="straightConnector1">
+            <a:avLst/>
+          </a:prstGeom>
+          <a:ln w="57150">
+            <a:solidFill>
+              <a:schemeClr val="accent6">
+                <a:lumMod val="40000"/>
+                <a:lumOff val="60000"/>
+              </a:schemeClr>
+            </a:solidFill>
+            <a:headEnd type="triangle"/>
+            <a:tailEnd type="triangle"/>
+          </a:ln>
+        </p:spPr>
+        <p:style>
+          <a:lnRef idx="1">
+            <a:schemeClr val="accent1"/>
+          </a:lnRef>
+          <a:fillRef idx="0">
+            <a:schemeClr val="accent1"/>
+          </a:fillRef>
+          <a:effectRef idx="0">
+            <a:schemeClr val="accent1"/>
+          </a:effectRef>
+          <a:fontRef idx="minor">
+            <a:schemeClr val="tx1"/>
+          </a:fontRef>
+        </p:style>
+      </p:cxnSp>
+      <p:sp>
+        <p:nvSpPr>
+          <p:cNvPr id="34" name="순서도: 처리 33">
+            <a:extLst>
+              <a:ext uri="{FF2B5EF4-FFF2-40B4-BE49-F238E27FC236}">
+                <a16:creationId xmlns:a16="http://schemas.microsoft.com/office/drawing/2014/main" id="{C7118F30-CAB8-49E7-A61D-96CB71D034A8}"/>
+              </a:ext>
+            </a:extLst>
+          </p:cNvPr>
+          <p:cNvSpPr/>
+          <p:nvPr/>
+        </p:nvSpPr>
+        <p:spPr>
+          <a:xfrm>
+            <a:off x="2904703" y="4422091"/>
+            <a:ext cx="1591006" cy="576328"/>
+          </a:xfrm>
+          <a:prstGeom prst="flowChartProcess">
+            <a:avLst/>
+          </a:prstGeom>
+          <a:solidFill>
+            <a:schemeClr val="bg1"/>
+          </a:solidFill>
+          <a:ln>
+            <a:noFill/>
+          </a:ln>
+        </p:spPr>
+        <p:style>
+          <a:lnRef idx="2">
+            <a:schemeClr val="accent1">
+              <a:shade val="50000"/>
+            </a:schemeClr>
+          </a:lnRef>
+          <a:fillRef idx="1">
+            <a:schemeClr val="accent1"/>
+          </a:fillRef>
+          <a:effectRef idx="0">
+            <a:schemeClr val="accent1"/>
+          </a:effectRef>
+          <a:fontRef idx="minor">
+            <a:schemeClr val="lt1"/>
+          </a:fontRef>
+        </p:style>
+        <p:txBody>
+          <a:bodyPr rtlCol="0" anchor="ctr"/>
+          <a:lstStyle/>
+          <a:p>
+            <a:pPr algn="ctr"/>
+            <a:r>
+              <a:rPr lang="ko-KR" altLang="en-US" sz="1600" dirty="0" smtClean="0">
+                <a:solidFill>
+                  <a:schemeClr val="tx1"/>
+                </a:solidFill>
+                <a:latin typeface="DX유니고딕 20" panose="02020600000000000000" pitchFamily="18" charset="-127"/>
+                <a:ea typeface="DX유니고딕 20" panose="02020600000000000000" pitchFamily="18" charset="-127"/>
+              </a:rPr>
+              <a:t>포켓몬 센터</a:t>
+            </a:r>
+            <a:endParaRPr lang="ko-KR" altLang="en-US" sz="1600" dirty="0">
+              <a:solidFill>
+                <a:schemeClr val="tx1"/>
+              </a:solidFill>
+              <a:latin typeface="DX유니고딕 20" panose="02020600000000000000" pitchFamily="18" charset="-127"/>
+              <a:ea typeface="DX유니고딕 20" panose="02020600000000000000" pitchFamily="18" charset="-127"/>
+            </a:endParaRPr>
           </a:p>
         </p:txBody>
       </p:sp>
@@ -10089,7 +10352,7 @@
         </p:nvSpPr>
         <p:spPr>
           <a:xfrm>
-            <a:off x="828202" y="415647"/>
+            <a:off x="828202" y="356655"/>
             <a:ext cx="6336594" cy="700477"/>
           </a:xfrm>
           <a:prstGeom prst="rect">
@@ -10104,13 +10367,18 @@
           <a:p>
             <a:pPr lvl="0"/>
             <a:r>
-              <a:rPr lang="ko-KR" altLang="en-US" sz="4000" b="1" spc="805">
+              <a:rPr lang="ko-KR" altLang="en-US" sz="4000" b="1" spc="805" dirty="0" err="1">
                 <a:latin typeface="DX유니고딕 20"/>
                 <a:ea typeface="DX유니고딕 20"/>
                 <a:cs typeface="맑은 고딕 Semilight"/>
               </a:rPr>
               <a:t>개발일정</a:t>
             </a:r>
+            <a:endParaRPr lang="ko-KR" altLang="en-US" sz="4000" b="1" spc="805" dirty="0">
+              <a:latin typeface="DX유니고딕 20"/>
+              <a:ea typeface="DX유니고딕 20"/>
+              <a:cs typeface="맑은 고딕 Semilight"/>
+            </a:endParaRPr>
           </a:p>
         </p:txBody>
       </p:sp>
@@ -10124,7 +10392,7 @@
         </p:nvCxnSpPr>
         <p:spPr>
           <a:xfrm>
-            <a:off x="535182" y="1331646"/>
+            <a:off x="535182" y="1154666"/>
             <a:ext cx="10528052" cy="0"/>
           </a:xfrm>
           <a:prstGeom prst="line">
@@ -10159,7 +10427,7 @@
         </p:nvSpPr>
         <p:spPr>
           <a:xfrm>
-            <a:off x="535182" y="2090695"/>
+            <a:off x="535182" y="1913715"/>
             <a:ext cx="1677378" cy="292388"/>
           </a:xfrm>
           <a:prstGeom prst="rect">
@@ -10205,7 +10473,7 @@
         </p:nvSpPr>
         <p:spPr>
           <a:xfrm>
-            <a:off x="535182" y="2605600"/>
+            <a:off x="535182" y="2428620"/>
             <a:ext cx="1677378" cy="292388"/>
           </a:xfrm>
           <a:prstGeom prst="rect">
@@ -10240,7 +10508,7 @@
         </p:nvSpPr>
         <p:spPr>
           <a:xfrm>
-            <a:off x="535182" y="3125438"/>
+            <a:off x="535182" y="2948458"/>
             <a:ext cx="1677378" cy="290893"/>
           </a:xfrm>
           <a:prstGeom prst="rect">
@@ -10255,7 +10523,7 @@
           <a:p>
             <a:pPr marL="0" algn="ctr" latinLnBrk="0" hangingPunct="1"/>
             <a:r>
-              <a:rPr lang="ko-KR" altLang="en-US" sz="1300" b="0" i="0" spc="5" dirty="0">
+              <a:rPr lang="ko-KR" altLang="en-US" sz="1300" b="0" i="0" spc="5" dirty="0" smtClean="0">
                 <a:solidFill>
                   <a:schemeClr val="tx1"/>
                 </a:solidFill>
@@ -10264,6 +10532,13 @@
               </a:rPr>
               <a:t>맵 제작</a:t>
             </a:r>
+            <a:endParaRPr lang="ko-KR" altLang="en-US" sz="1300" b="0" i="0" spc="5" dirty="0">
+              <a:solidFill>
+                <a:schemeClr val="tx1"/>
+              </a:solidFill>
+              <a:latin typeface="DX유니고딕 20"/>
+              <a:ea typeface="DX유니고딕 20"/>
+            </a:endParaRPr>
           </a:p>
         </p:txBody>
       </p:sp>
@@ -10275,7 +10550,7 @@
         </p:nvSpPr>
         <p:spPr>
           <a:xfrm>
-            <a:off x="535182" y="3567505"/>
+            <a:off x="535182" y="3390525"/>
             <a:ext cx="1677378" cy="291168"/>
           </a:xfrm>
           <a:prstGeom prst="rect">
@@ -10310,7 +10585,7 @@
         </p:nvSpPr>
         <p:spPr>
           <a:xfrm>
-            <a:off x="535182" y="3948313"/>
+            <a:off x="535182" y="3771333"/>
             <a:ext cx="1677378" cy="492443"/>
           </a:xfrm>
           <a:prstGeom prst="rect">
@@ -10375,7 +10650,7 @@
         </p:nvSpPr>
         <p:spPr>
           <a:xfrm>
-            <a:off x="535182" y="4506681"/>
+            <a:off x="535182" y="4329701"/>
             <a:ext cx="1677378" cy="492443"/>
           </a:xfrm>
           <a:prstGeom prst="rect">
@@ -10447,7 +10722,7 @@
         </p:nvSpPr>
         <p:spPr>
           <a:xfrm>
-            <a:off x="508548" y="5176098"/>
+            <a:off x="547876" y="4999118"/>
             <a:ext cx="1677378" cy="291079"/>
           </a:xfrm>
           <a:prstGeom prst="rect">
@@ -10460,22 +10735,59 @@
           </a:bodyPr>
           <a:lstStyle/>
           <a:p>
-            <a:pPr marL="0" algn="ctr" latinLnBrk="0" hangingPunct="1"/>
+            <a:pPr algn="ctr"/>
             <a:r>
-              <a:rPr lang="ko-KR" altLang="en-US" sz="1300" b="0" i="0" spc="5" dirty="0">
-                <a:solidFill>
-                  <a:schemeClr val="tx1"/>
-                </a:solidFill>
+              <a:rPr lang="en-US" altLang="ko-KR" sz="1300" spc="5" dirty="0" smtClean="0">
+                <a:latin typeface="DX유니고딕 20"/>
+                <a:ea typeface="DX유니고딕 20"/>
+              </a:rPr>
+              <a:t>UI &amp; </a:t>
+            </a:r>
+            <a:r>
+              <a:rPr lang="ko-KR" altLang="en-US" sz="1300" spc="5" dirty="0" smtClean="0">
+                <a:latin typeface="DX유니고딕 20"/>
+                <a:ea typeface="DX유니고딕 20"/>
+              </a:rPr>
+              <a:t>사운드</a:t>
+            </a:r>
+            <a:endParaRPr lang="ko-KR" altLang="en-US" sz="1300" spc="5" dirty="0">
+              <a:latin typeface="DX유니고딕 20"/>
+              <a:ea typeface="DX유니고딕 20"/>
+            </a:endParaRPr>
+          </a:p>
+        </p:txBody>
+      </p:sp>
+      <p:sp>
+        <p:nvSpPr>
+          <p:cNvPr id="210" name="직사각형 209"/>
+          <p:cNvSpPr txBox="1"/>
+          <p:nvPr/>
+        </p:nvSpPr>
+        <p:spPr>
+          <a:xfrm>
+            <a:off x="535182" y="5529946"/>
+            <a:ext cx="1677378" cy="291433"/>
+          </a:xfrm>
+          <a:prstGeom prst="rect">
+            <a:avLst/>
+          </a:prstGeom>
+        </p:spPr>
+        <p:txBody>
+          <a:bodyPr wrap="square">
+            <a:spAutoFit/>
+          </a:bodyPr>
+          <a:lstStyle/>
+          <a:p>
+            <a:pPr algn="ctr"/>
+            <a:r>
+              <a:rPr lang="ko-KR" altLang="en-US" sz="1300" spc="5" dirty="0">
                 <a:latin typeface="DX유니고딕 20"/>
                 <a:ea typeface="DX유니고딕 20"/>
               </a:rPr>
               <a:t>통신 대전 </a:t>
             </a:r>
             <a:r>
-              <a:rPr lang="en-US" altLang="ko-KR" sz="1300" b="0" i="0" spc="5" dirty="0">
-                <a:solidFill>
-                  <a:schemeClr val="tx1"/>
-                </a:solidFill>
+              <a:rPr lang="en-US" altLang="ko-KR" sz="1300" spc="5" dirty="0">
                 <a:latin typeface="DX유니고딕 20"/>
                 <a:ea typeface="DX유니고딕 20"/>
               </a:rPr>
@@ -10488,10 +10800,7 @@
               </a:rPr>
               <a:t>교환</a:t>
             </a:r>
-            <a:endParaRPr lang="ko-KR" altLang="en-US" sz="1300" b="0" i="0" spc="5" dirty="0">
-              <a:solidFill>
-                <a:schemeClr val="tx1"/>
-              </a:solidFill>
+            <a:endParaRPr lang="ko-KR" altLang="en-US" sz="1300" spc="5" dirty="0">
               <a:latin typeface="DX유니고딕 20"/>
               <a:ea typeface="DX유니고딕 20"/>
             </a:endParaRPr>
@@ -10500,48 +10809,13 @@
       </p:sp>
       <p:sp>
         <p:nvSpPr>
-          <p:cNvPr id="210" name="직사각형 209"/>
-          <p:cNvSpPr txBox="1"/>
-          <p:nvPr/>
-        </p:nvSpPr>
-        <p:spPr>
-          <a:xfrm>
-            <a:off x="535182" y="5706926"/>
-            <a:ext cx="1677378" cy="291433"/>
-          </a:xfrm>
-          <a:prstGeom prst="rect">
-            <a:avLst/>
-          </a:prstGeom>
-        </p:spPr>
-        <p:txBody>
-          <a:bodyPr wrap="square">
-            <a:spAutoFit/>
-          </a:bodyPr>
-          <a:lstStyle/>
-          <a:p>
-            <a:pPr marL="0" algn="ctr" latinLnBrk="0" hangingPunct="1"/>
-            <a:r>
-              <a:rPr lang="ko-KR" altLang="en-US" sz="1300" b="0" i="0" spc="5" dirty="0">
-                <a:solidFill>
-                  <a:schemeClr val="tx1"/>
-                </a:solidFill>
-                <a:latin typeface="DX유니고딕 20"/>
-                <a:ea typeface="DX유니고딕 20"/>
-              </a:rPr>
-              <a:t>디버깅</a:t>
-            </a:r>
-          </a:p>
-        </p:txBody>
-      </p:sp>
-      <p:sp>
-        <p:nvSpPr>
           <p:cNvPr id="211" name="직사각형 210"/>
           <p:cNvSpPr/>
           <p:nvPr/>
         </p:nvSpPr>
         <p:spPr>
           <a:xfrm>
-            <a:off x="2242136" y="2118807"/>
+            <a:off x="2242136" y="1941827"/>
             <a:ext cx="438918" cy="237156"/>
           </a:xfrm>
           <a:prstGeom prst="rect">
@@ -10576,8 +10850,8 @@
         </p:nvSpPr>
         <p:spPr>
           <a:xfrm>
-            <a:off x="2681054" y="2645537"/>
-            <a:ext cx="400046" cy="249184"/>
+            <a:off x="2681053" y="2468557"/>
+            <a:ext cx="692463" cy="249184"/>
           </a:xfrm>
           <a:prstGeom prst="rect">
             <a:avLst/>
@@ -10611,8 +10885,8 @@
         </p:nvSpPr>
         <p:spPr>
           <a:xfrm>
-            <a:off x="3081100" y="3126797"/>
-            <a:ext cx="736448" cy="246688"/>
+            <a:off x="3373515" y="2949817"/>
+            <a:ext cx="974360" cy="246688"/>
           </a:xfrm>
           <a:prstGeom prst="rect">
             <a:avLst/>
@@ -10646,8 +10920,8 @@
         </p:nvSpPr>
         <p:spPr>
           <a:xfrm>
-            <a:off x="3373517" y="3577091"/>
-            <a:ext cx="444031" cy="258287"/>
+            <a:off x="3796307" y="3400111"/>
+            <a:ext cx="551567" cy="258287"/>
           </a:xfrm>
           <a:prstGeom prst="rect">
             <a:avLst/>
@@ -10681,8 +10955,8 @@
         </p:nvSpPr>
         <p:spPr>
           <a:xfrm>
-            <a:off x="3817548" y="4043190"/>
-            <a:ext cx="1091665" cy="268539"/>
+            <a:off x="4357703" y="3866210"/>
+            <a:ext cx="841253" cy="296252"/>
           </a:xfrm>
           <a:prstGeom prst="rect">
             <a:avLst/>
@@ -10716,8 +10990,8 @@
         </p:nvSpPr>
         <p:spPr>
           <a:xfrm>
-            <a:off x="4909213" y="4601593"/>
-            <a:ext cx="1202732" cy="292407"/>
+            <a:off x="5211097" y="4424613"/>
+            <a:ext cx="934064" cy="292407"/>
           </a:xfrm>
           <a:prstGeom prst="rect">
             <a:avLst/>
@@ -10751,7 +11025,7 @@
         </p:nvSpPr>
         <p:spPr>
           <a:xfrm>
-            <a:off x="8806650" y="5725690"/>
+            <a:off x="8806650" y="6068992"/>
             <a:ext cx="1549487" cy="237308"/>
           </a:xfrm>
           <a:prstGeom prst="rect">
@@ -10786,12 +11060,18 @@
         </p:nvSpPr>
         <p:spPr>
           <a:xfrm>
-            <a:off x="6111944" y="5212753"/>
+            <a:off x="6111944" y="5548450"/>
             <a:ext cx="2694705" cy="254423"/>
           </a:xfrm>
           <a:prstGeom prst="rect">
             <a:avLst/>
           </a:prstGeom>
+          <a:solidFill>
+            <a:schemeClr val="accent6">
+              <a:lumMod val="40000"/>
+              <a:lumOff val="60000"/>
+            </a:schemeClr>
+          </a:solidFill>
           <a:ln>
             <a:noFill/>
           </a:ln>
@@ -10823,7 +11103,7 @@
         </p:nvCxnSpPr>
         <p:spPr>
           <a:xfrm>
-            <a:off x="535182" y="2506463"/>
+            <a:off x="535182" y="2329483"/>
             <a:ext cx="10528052" cy="1479"/>
           </a:xfrm>
           <a:prstGeom prst="line">
@@ -10858,7 +11138,7 @@
         </p:nvCxnSpPr>
         <p:spPr>
           <a:xfrm>
-            <a:off x="535182" y="3018905"/>
+            <a:off x="535182" y="2841925"/>
             <a:ext cx="10528052" cy="0"/>
           </a:xfrm>
           <a:prstGeom prst="line">
@@ -10893,7 +11173,7 @@
         </p:nvCxnSpPr>
         <p:spPr>
           <a:xfrm>
-            <a:off x="535182" y="3486957"/>
+            <a:off x="535182" y="3309977"/>
             <a:ext cx="10554050" cy="0"/>
           </a:xfrm>
           <a:prstGeom prst="line">
@@ -10928,7 +11208,7 @@
         </p:nvCxnSpPr>
         <p:spPr>
           <a:xfrm>
-            <a:off x="535182" y="3919005"/>
+            <a:off x="535182" y="3742025"/>
             <a:ext cx="10554050" cy="0"/>
           </a:xfrm>
           <a:prstGeom prst="line">
@@ -10963,7 +11243,7 @@
         </p:nvCxnSpPr>
         <p:spPr>
           <a:xfrm>
-            <a:off x="535182" y="4423061"/>
+            <a:off x="535182" y="4246081"/>
             <a:ext cx="10554050" cy="0"/>
           </a:xfrm>
           <a:prstGeom prst="line">
@@ -10998,7 +11278,7 @@
         </p:nvCxnSpPr>
         <p:spPr>
           <a:xfrm>
-            <a:off x="535182" y="5053377"/>
+            <a:off x="535182" y="4876397"/>
             <a:ext cx="10528052" cy="0"/>
           </a:xfrm>
           <a:prstGeom prst="line">
@@ -11033,7 +11313,7 @@
         </p:nvCxnSpPr>
         <p:spPr>
           <a:xfrm>
-            <a:off x="535182" y="5575189"/>
+            <a:off x="535182" y="5398209"/>
             <a:ext cx="10554050" cy="0"/>
           </a:xfrm>
           <a:prstGeom prst="line">
@@ -11068,7 +11348,7 @@
         </p:nvCxnSpPr>
         <p:spPr>
           <a:xfrm>
-            <a:off x="535182" y="6079245"/>
+            <a:off x="535182" y="5902265"/>
             <a:ext cx="10554050" cy="36004"/>
           </a:xfrm>
           <a:prstGeom prst="line">
@@ -11105,7 +11385,7 @@
         </p:nvCxnSpPr>
         <p:spPr>
           <a:xfrm>
-            <a:off x="535182" y="1938785"/>
+            <a:off x="535182" y="1761805"/>
             <a:ext cx="10528052" cy="0"/>
           </a:xfrm>
           <a:prstGeom prst="line">
@@ -11142,7 +11422,7 @@
         </p:nvCxnSpPr>
         <p:spPr>
           <a:xfrm>
-            <a:off x="5616006" y="1331646"/>
+            <a:off x="5616006" y="1154666"/>
             <a:ext cx="0" cy="607139"/>
           </a:xfrm>
           <a:prstGeom prst="line">
@@ -11179,7 +11459,7 @@
         </p:nvCxnSpPr>
         <p:spPr>
           <a:xfrm>
-            <a:off x="9241742" y="1331646"/>
+            <a:off x="9241742" y="1154666"/>
             <a:ext cx="0" cy="607139"/>
           </a:xfrm>
           <a:prstGeom prst="line">
@@ -11216,8 +11496,8 @@
         </p:nvCxnSpPr>
         <p:spPr>
           <a:xfrm>
-            <a:off x="2218492" y="1331646"/>
-            <a:ext cx="0" cy="5209729"/>
+            <a:off x="2218492" y="1154666"/>
+            <a:ext cx="0" cy="5564215"/>
           </a:xfrm>
           <a:prstGeom prst="line">
             <a:avLst/>
@@ -11259,7 +11539,7 @@
         </p:nvCxnSpPr>
         <p:spPr>
           <a:xfrm>
-            <a:off x="3081109" y="1331646"/>
+            <a:off x="3081109" y="1154666"/>
             <a:ext cx="0" cy="607139"/>
           </a:xfrm>
           <a:prstGeom prst="line">
@@ -11302,7 +11582,7 @@
         </p:nvCxnSpPr>
         <p:spPr>
           <a:xfrm>
-            <a:off x="3925084" y="1331646"/>
+            <a:off x="3925084" y="1154666"/>
             <a:ext cx="0" cy="607139"/>
           </a:xfrm>
           <a:prstGeom prst="line">
@@ -11345,7 +11625,7 @@
         </p:nvCxnSpPr>
         <p:spPr>
           <a:xfrm>
-            <a:off x="4766337" y="1331646"/>
+            <a:off x="4766337" y="1154666"/>
             <a:ext cx="0" cy="607139"/>
           </a:xfrm>
           <a:prstGeom prst="line">
@@ -11388,7 +11668,7 @@
         </p:nvCxnSpPr>
         <p:spPr>
           <a:xfrm>
-            <a:off x="6497699" y="1331646"/>
+            <a:off x="6497699" y="1154666"/>
             <a:ext cx="0" cy="607139"/>
           </a:xfrm>
           <a:prstGeom prst="line">
@@ -11431,7 +11711,7 @@
         </p:nvCxnSpPr>
         <p:spPr>
           <a:xfrm>
-            <a:off x="7394942" y="1331646"/>
+            <a:off x="7394942" y="1154666"/>
             <a:ext cx="0" cy="607139"/>
           </a:xfrm>
           <a:prstGeom prst="line">
@@ -11474,7 +11754,7 @@
         </p:nvCxnSpPr>
         <p:spPr>
           <a:xfrm>
-            <a:off x="8316085" y="1331646"/>
+            <a:off x="8316085" y="1154666"/>
             <a:ext cx="0" cy="607139"/>
           </a:xfrm>
           <a:prstGeom prst="line">
@@ -11517,7 +11797,7 @@
         </p:nvCxnSpPr>
         <p:spPr>
           <a:xfrm>
-            <a:off x="10180129" y="1331646"/>
+            <a:off x="10180129" y="1154666"/>
             <a:ext cx="0" cy="607139"/>
           </a:xfrm>
           <a:prstGeom prst="line">
@@ -11560,8 +11840,8 @@
         </p:nvCxnSpPr>
         <p:spPr>
           <a:xfrm>
-            <a:off x="11089232" y="1331646"/>
-            <a:ext cx="0" cy="5202316"/>
+            <a:off x="11089232" y="1154666"/>
+            <a:ext cx="0" cy="5582217"/>
           </a:xfrm>
           <a:prstGeom prst="line">
             <a:avLst/>
@@ -11603,8 +11883,8 @@
         </p:nvCxnSpPr>
         <p:spPr>
           <a:xfrm>
-            <a:off x="535182" y="1331646"/>
-            <a:ext cx="0" cy="5173725"/>
+            <a:off x="535182" y="1154666"/>
+            <a:ext cx="0" cy="5550934"/>
           </a:xfrm>
           <a:prstGeom prst="line">
             <a:avLst/>
@@ -11644,7 +11924,7 @@
         </p:nvSpPr>
         <p:spPr>
           <a:xfrm>
-            <a:off x="2396972" y="1411546"/>
+            <a:off x="2396972" y="1234566"/>
             <a:ext cx="523995" cy="461665"/>
           </a:xfrm>
           <a:prstGeom prst="rect">
@@ -11686,7 +11966,7 @@
         </p:nvSpPr>
         <p:spPr>
           <a:xfrm>
-            <a:off x="3249082" y="1411546"/>
+            <a:off x="3249082" y="1234566"/>
             <a:ext cx="523995" cy="461665"/>
           </a:xfrm>
           <a:prstGeom prst="rect">
@@ -11728,7 +12008,7 @@
         </p:nvSpPr>
         <p:spPr>
           <a:xfrm>
-            <a:off x="4101498" y="1411546"/>
+            <a:off x="4101498" y="1234566"/>
             <a:ext cx="523995" cy="461665"/>
           </a:xfrm>
           <a:prstGeom prst="rect">
@@ -11770,7 +12050,7 @@
         </p:nvSpPr>
         <p:spPr>
           <a:xfrm>
-            <a:off x="4909213" y="1411546"/>
+            <a:off x="4909213" y="1234566"/>
             <a:ext cx="523995" cy="461665"/>
           </a:xfrm>
           <a:prstGeom prst="rect">
@@ -11812,7 +12092,7 @@
         </p:nvSpPr>
         <p:spPr>
           <a:xfrm>
-            <a:off x="5805400" y="1411546"/>
+            <a:off x="5805400" y="1234566"/>
             <a:ext cx="523995" cy="461665"/>
           </a:xfrm>
           <a:prstGeom prst="rect">
@@ -11854,7 +12134,7 @@
         </p:nvSpPr>
         <p:spPr>
           <a:xfrm>
-            <a:off x="6630875" y="1402670"/>
+            <a:off x="6630875" y="1225690"/>
             <a:ext cx="659444" cy="461665"/>
           </a:xfrm>
           <a:prstGeom prst="rect">
@@ -11905,7 +12185,7 @@
         </p:nvSpPr>
         <p:spPr>
           <a:xfrm>
-            <a:off x="7589821" y="1411546"/>
+            <a:off x="7589821" y="1234566"/>
             <a:ext cx="523995" cy="461665"/>
           </a:xfrm>
           <a:prstGeom prst="rect">
@@ -11947,7 +12227,7 @@
         </p:nvSpPr>
         <p:spPr>
           <a:xfrm>
-            <a:off x="8521829" y="1411546"/>
+            <a:off x="8521829" y="1234566"/>
             <a:ext cx="523995" cy="461665"/>
           </a:xfrm>
           <a:prstGeom prst="rect">
@@ -11989,7 +12269,7 @@
         </p:nvSpPr>
         <p:spPr>
           <a:xfrm>
-            <a:off x="9445180" y="1411546"/>
+            <a:off x="9445180" y="1234566"/>
             <a:ext cx="523995" cy="461665"/>
           </a:xfrm>
           <a:prstGeom prst="rect">
@@ -12031,7 +12311,7 @@
         </p:nvSpPr>
         <p:spPr>
           <a:xfrm>
-            <a:off x="10377182" y="1500323"/>
+            <a:off x="10377182" y="1323343"/>
             <a:ext cx="523995" cy="276999"/>
           </a:xfrm>
           <a:prstGeom prst="rect">
@@ -12073,7 +12353,7 @@
         </p:nvCxnSpPr>
         <p:spPr>
           <a:xfrm>
-            <a:off x="535182" y="6505371"/>
+            <a:off x="535182" y="6328391"/>
             <a:ext cx="10554050" cy="36004"/>
           </a:xfrm>
           <a:prstGeom prst="line">
@@ -12114,7 +12394,7 @@
         </p:nvSpPr>
         <p:spPr>
           <a:xfrm>
-            <a:off x="517426" y="6147851"/>
+            <a:off x="517426" y="5970871"/>
             <a:ext cx="1677378" cy="291433"/>
           </a:xfrm>
           <a:prstGeom prst="rect">
@@ -12129,7 +12409,175 @@
           <a:p>
             <a:pPr marL="0" algn="ctr" latinLnBrk="0" hangingPunct="1"/>
             <a:r>
-              <a:rPr lang="ko-KR" altLang="en-US" sz="1300" b="0" i="0" spc="5" dirty="0">
+              <a:rPr lang="ko-KR" altLang="en-US" sz="1300" spc="5" dirty="0" smtClean="0">
+                <a:latin typeface="DX유니고딕 20"/>
+                <a:ea typeface="DX유니고딕 20"/>
+              </a:rPr>
+              <a:t>디버깅</a:t>
+            </a:r>
+            <a:endParaRPr lang="ko-KR" altLang="en-US" sz="1300" b="0" i="0" spc="5" dirty="0">
+              <a:solidFill>
+                <a:schemeClr val="tx1"/>
+              </a:solidFill>
+              <a:latin typeface="DX유니고딕 20"/>
+              <a:ea typeface="DX유니고딕 20"/>
+            </a:endParaRPr>
+          </a:p>
+        </p:txBody>
+      </p:sp>
+      <p:sp>
+        <p:nvSpPr>
+          <p:cNvPr id="279" name="직사각형 278">
+            <a:extLst>
+              <a:ext uri="{FF2B5EF4-FFF2-40B4-BE49-F238E27FC236}">
+                <a16:creationId xmlns:a16="http://schemas.microsoft.com/office/drawing/2014/main" id="{2F8E6066-8507-4D26-B576-81F6C2D94920}"/>
+              </a:ext>
+            </a:extLst>
+          </p:cNvPr>
+          <p:cNvSpPr/>
+          <p:nvPr/>
+        </p:nvSpPr>
+        <p:spPr>
+          <a:xfrm>
+            <a:off x="10347259" y="6442324"/>
+            <a:ext cx="728559" cy="239622"/>
+          </a:xfrm>
+          <a:prstGeom prst="rect">
+            <a:avLst/>
+          </a:prstGeom>
+          <a:ln>
+            <a:noFill/>
+          </a:ln>
+        </p:spPr>
+        <p:style>
+          <a:lnRef idx="2">
+            <a:schemeClr val="accent1">
+              <a:shade val="20000"/>
+            </a:schemeClr>
+          </a:lnRef>
+          <a:fillRef idx="1">
+            <a:schemeClr val="accent1"/>
+          </a:fillRef>
+          <a:effectRef idx="0">
+            <a:schemeClr val="accent1"/>
+          </a:effectRef>
+          <a:fontRef idx="minor">
+            <a:schemeClr val="lt1"/>
+          </a:fontRef>
+        </p:style>
+      </p:sp>
+      <p:sp>
+        <p:nvSpPr>
+          <p:cNvPr id="57" name="직사각형 56"/>
+          <p:cNvSpPr/>
+          <p:nvPr/>
+        </p:nvSpPr>
+        <p:spPr>
+          <a:xfrm>
+            <a:off x="4769797" y="5022838"/>
+            <a:ext cx="4036852" cy="246688"/>
+          </a:xfrm>
+          <a:prstGeom prst="rect">
+            <a:avLst/>
+          </a:prstGeom>
+          <a:solidFill>
+            <a:schemeClr val="accent6">
+              <a:lumMod val="40000"/>
+              <a:lumOff val="60000"/>
+            </a:schemeClr>
+          </a:solidFill>
+          <a:ln>
+            <a:noFill/>
+          </a:ln>
+        </p:spPr>
+        <p:style>
+          <a:lnRef idx="2">
+            <a:schemeClr val="accent1">
+              <a:shade val="20000"/>
+            </a:schemeClr>
+          </a:lnRef>
+          <a:fillRef idx="1">
+            <a:schemeClr val="accent1"/>
+          </a:fillRef>
+          <a:effectRef idx="0">
+            <a:schemeClr val="accent1"/>
+          </a:effectRef>
+          <a:fontRef idx="minor">
+            <a:schemeClr val="lt1"/>
+          </a:fontRef>
+        </p:style>
+      </p:sp>
+      <p:cxnSp>
+        <p:nvCxnSpPr>
+          <p:cNvPr id="58" name="직선 연결선 57">
+            <a:extLst>
+              <a:ext uri="{FF2B5EF4-FFF2-40B4-BE49-F238E27FC236}">
+                <a16:creationId xmlns:a16="http://schemas.microsoft.com/office/drawing/2014/main" id="{390DB810-6759-4A39-A440-B6FC676080BC}"/>
+              </a:ext>
+            </a:extLst>
+          </p:cNvPr>
+          <p:cNvCxnSpPr/>
+          <p:nvPr/>
+        </p:nvCxnSpPr>
+        <p:spPr>
+          <a:xfrm>
+            <a:off x="535182" y="6700879"/>
+            <a:ext cx="10554050" cy="36004"/>
+          </a:xfrm>
+          <a:prstGeom prst="line">
+            <a:avLst/>
+          </a:prstGeom>
+          <a:ln w="12700">
+            <a:solidFill>
+              <a:schemeClr val="bg1"/>
+            </a:solidFill>
+          </a:ln>
+        </p:spPr>
+        <p:style>
+          <a:lnRef idx="1">
+            <a:schemeClr val="accent1"/>
+          </a:lnRef>
+          <a:fillRef idx="0">
+            <a:schemeClr val="accent1"/>
+          </a:fillRef>
+          <a:effectRef idx="0">
+            <a:schemeClr val="accent1"/>
+          </a:effectRef>
+          <a:fontRef idx="minor">
+            <a:schemeClr val="tx1"/>
+          </a:fontRef>
+        </p:style>
+      </p:cxnSp>
+      <p:sp>
+        <p:nvSpPr>
+          <p:cNvPr id="61" name="직사각형 209">
+            <a:extLst>
+              <a:ext uri="{FF2B5EF4-FFF2-40B4-BE49-F238E27FC236}">
+                <a16:creationId xmlns:a16="http://schemas.microsoft.com/office/drawing/2014/main" id="{B4843A16-A647-4606-8AD2-439F44C26B70}"/>
+              </a:ext>
+            </a:extLst>
+          </p:cNvPr>
+          <p:cNvSpPr txBox="1"/>
+          <p:nvPr/>
+        </p:nvSpPr>
+        <p:spPr>
+          <a:xfrm>
+            <a:off x="517426" y="6384881"/>
+            <a:ext cx="1677378" cy="291433"/>
+          </a:xfrm>
+          <a:prstGeom prst="rect">
+            <a:avLst/>
+          </a:prstGeom>
+        </p:spPr>
+        <p:txBody>
+          <a:bodyPr wrap="square">
+            <a:spAutoFit/>
+          </a:bodyPr>
+          <a:lstStyle/>
+          <a:p>
+            <a:pPr marL="0" algn="ctr" latinLnBrk="0" hangingPunct="1"/>
+            <a:r>
+              <a:rPr lang="ko-KR" altLang="en-US" sz="1300" b="0" i="0" spc="5" dirty="0" smtClean="0">
                 <a:solidFill>
                   <a:schemeClr val="tx1"/>
                 </a:solidFill>
@@ -12138,49 +12586,15 @@
               </a:rPr>
               <a:t>최종 발표</a:t>
             </a:r>
-          </a:p>
-        </p:txBody>
-      </p:sp>
-      <p:sp>
-        <p:nvSpPr>
-          <p:cNvPr id="279" name="직사각형 278">
-            <a:extLst>
-              <a:ext uri="{FF2B5EF4-FFF2-40B4-BE49-F238E27FC236}">
-                <a16:creationId xmlns:a16="http://schemas.microsoft.com/office/drawing/2014/main" id="{2F8E6066-8507-4D26-B576-81F6C2D94920}"/>
-              </a:ext>
-            </a:extLst>
-          </p:cNvPr>
-          <p:cNvSpPr/>
-          <p:nvPr/>
-        </p:nvSpPr>
-        <p:spPr>
-          <a:xfrm>
-            <a:off x="10347259" y="6231496"/>
-            <a:ext cx="728559" cy="239622"/>
-          </a:xfrm>
-          <a:prstGeom prst="rect">
-            <a:avLst/>
-          </a:prstGeom>
-          <a:ln>
-            <a:noFill/>
-          </a:ln>
-        </p:spPr>
-        <p:style>
-          <a:lnRef idx="2">
-            <a:schemeClr val="accent1">
-              <a:shade val="20000"/>
-            </a:schemeClr>
-          </a:lnRef>
-          <a:fillRef idx="1">
-            <a:schemeClr val="accent1"/>
-          </a:fillRef>
-          <a:effectRef idx="0">
-            <a:schemeClr val="accent1"/>
-          </a:effectRef>
-          <a:fontRef idx="minor">
-            <a:schemeClr val="lt1"/>
-          </a:fontRef>
-        </p:style>
+            <a:endParaRPr lang="ko-KR" altLang="en-US" sz="1300" b="0" i="0" spc="5" dirty="0">
+              <a:solidFill>
+                <a:schemeClr val="tx1"/>
+              </a:solidFill>
+              <a:latin typeface="DX유니고딕 20"/>
+              <a:ea typeface="DX유니고딕 20"/>
+            </a:endParaRPr>
+          </a:p>
+        </p:txBody>
       </p:sp>
     </p:spTree>
   </p:cSld>
